--- a/Project Pitch Fiche-Sedric-Lodonou-2019-2020L -.pptx
+++ b/Project Pitch Fiche-Sedric-Lodonou-2019-2020L -.pptx
@@ -1970,107 +1970,83 @@
             <p:ph sz="half" idx="2"/>
           </p:nvPr>
         </p:nvSpPr>
-        <p:spPr/>
+        <p:spPr>
+          <a:xfrm>
+            <a:off x="839789" y="4557479"/>
+            <a:ext cx="5157787" cy="2194050"/>
+          </a:xfrm>
+        </p:spPr>
         <p:txBody>
           <a:bodyPr>
-            <a:normAutofit fontScale="25000" lnSpcReduction="20000"/>
+            <a:normAutofit fontScale="85000" lnSpcReduction="20000"/>
           </a:bodyPr>
           <a:lstStyle/>
           <a:p>
-            <a:pPr marL="0" indent="0">
+            <a:pPr>
               <a:lnSpc>
                 <a:spcPct val="110000"/>
               </a:lnSpc>
-              <a:buNone/>
             </a:pPr>
             <a:r>
-              <a:rPr lang="nl-NL" sz="6400" dirty="0"/>
-              <a:t>Metingen om bottlenecks te vinden.</a:t>
-            </a:r>
-          </a:p>
-          <a:p>
-            <a:pPr marL="0" indent="0">
+              <a:rPr lang="nl-NL" sz="1600" dirty="0"/>
+              <a:t>Het gebruiken van </a:t>
+            </a:r>
+            <a:r>
+              <a:rPr lang="nl-NL" sz="1600" dirty="0" err="1"/>
+              <a:t>Nbar</a:t>
+            </a:r>
+            <a:r>
+              <a:rPr lang="nl-NL" sz="1600" dirty="0"/>
+              <a:t> en </a:t>
+            </a:r>
+            <a:r>
+              <a:rPr lang="nl-NL" sz="1600" dirty="0" err="1"/>
+              <a:t>netflow</a:t>
+            </a:r>
+            <a:r>
+              <a:rPr lang="nl-NL" sz="1600" dirty="0"/>
+              <a:t> rapportering uitslagen om verdachte en onverwacht activiteiten in netwerk op te sporen.</a:t>
+            </a:r>
+          </a:p>
+          <a:p>
+            <a:pPr>
               <a:lnSpc>
                 <a:spcPct val="110000"/>
               </a:lnSpc>
-              <a:buNone/>
             </a:pPr>
             <a:r>
-              <a:rPr lang="nl-NL" sz="6400" dirty="0"/>
-              <a:t>Metingen in zowel Landsroem als </a:t>
-            </a:r>
-            <a:r>
-              <a:rPr lang="nl-NL" sz="6400" dirty="0" err="1"/>
-              <a:t>Rouppe</a:t>
-            </a:r>
-            <a:endParaRPr lang="nl-NL" sz="6400" dirty="0"/>
-          </a:p>
-          <a:p>
-            <a:pPr marL="0" indent="0">
+              <a:rPr lang="nl-NL" sz="1600" dirty="0"/>
+              <a:t>De Bevindingen van CIA </a:t>
+            </a:r>
+            <a:r>
+              <a:rPr lang="nl-NL" sz="1600" dirty="0" err="1"/>
+              <a:t>Traid</a:t>
+            </a:r>
+            <a:r>
+              <a:rPr lang="nl-NL" sz="1600" dirty="0"/>
+              <a:t> gebruiken om de ontdekte problemen van de rapportering uitslagen op te lossen.</a:t>
+            </a:r>
+          </a:p>
+          <a:p>
+            <a:pPr>
               <a:lnSpc>
                 <a:spcPct val="110000"/>
               </a:lnSpc>
-              <a:buNone/>
             </a:pPr>
             <a:r>
-              <a:rPr lang="nl-NL" sz="6400" dirty="0"/>
-              <a:t>CIA </a:t>
-            </a:r>
-            <a:r>
-              <a:rPr lang="nl-NL" sz="6400" dirty="0" err="1"/>
-              <a:t>Triad</a:t>
-            </a:r>
-            <a:r>
-              <a:rPr lang="nl-NL" sz="6400" dirty="0"/>
-              <a:t> onderzoeken </a:t>
-            </a:r>
-          </a:p>
-          <a:p>
-            <a:pPr marL="0" indent="0">
-              <a:lnSpc>
-                <a:spcPct val="110000"/>
-              </a:lnSpc>
-              <a:buNone/>
-            </a:pPr>
-            <a:r>
-              <a:rPr lang="nl-NL" sz="6400" dirty="0"/>
-              <a:t>Metingen resultaten analyseren</a:t>
-            </a:r>
-          </a:p>
-          <a:p>
-            <a:pPr marL="0" indent="0">
-              <a:lnSpc>
-                <a:spcPct val="110000"/>
-              </a:lnSpc>
-              <a:buNone/>
-            </a:pPr>
-            <a:r>
-              <a:rPr lang="nl-NL" sz="6400" dirty="0"/>
-              <a:t>CIA </a:t>
-            </a:r>
-            <a:r>
-              <a:rPr lang="nl-NL" sz="6400" dirty="0" err="1"/>
-              <a:t>Toepassaen</a:t>
-            </a:r>
-            <a:r>
-              <a:rPr lang="nl-NL" sz="6400" dirty="0"/>
-              <a:t> in de netwerk</a:t>
+              <a:rPr lang="nl-NL" dirty="0"/>
+              <a:t>De rapportering uitslagen analyseren en ontleden zowel via Cisco console als een aparte externe log monitor als </a:t>
+            </a:r>
+            <a:r>
+              <a:rPr lang="nl-NL" dirty="0" err="1"/>
+              <a:t>Graylog</a:t>
+            </a:r>
+            <a:r>
+              <a:rPr lang="nl-NL" dirty="0"/>
+              <a:t>.</a:t>
             </a:r>
             <a:br>
-              <a:rPr lang="nl-NL" sz="5500" dirty="0">
-                <a:latin typeface="+mj-lt"/>
-                <a:ea typeface="+mj-ea"/>
-                <a:cs typeface="+mj-cs"/>
-              </a:rPr>
-            </a:br>
-            <a:br>
-              <a:rPr lang="nl-NL" dirty="0"/>
-            </a:br>
-            <a:br>
-              <a:rPr lang="nl-NL" dirty="0"/>
-            </a:br>
-            <a:br>
-              <a:rPr lang="nl-NL" dirty="0"/>
+              <a:rPr lang="nl-NL" sz="1600" dirty="0"/>
             </a:br>
             <a:endParaRPr lang="fr-BE" dirty="0"/>
           </a:p>
@@ -2269,7 +2245,12 @@
             <p:ph sz="quarter" idx="4"/>
           </p:nvPr>
         </p:nvSpPr>
-        <p:spPr/>
+        <p:spPr>
+          <a:xfrm>
+            <a:off x="6170613" y="4561839"/>
+            <a:ext cx="5183188" cy="2189690"/>
+          </a:xfrm>
+        </p:spPr>
         <p:txBody>
           <a:bodyPr/>
           <a:lstStyle/>
